--- a/BabyStep_B팀.pptx
+++ b/BabyStep_B팀.pptx
@@ -267,7 +267,7 @@
       <p15:sldGuideLst xmlns:p15="http://schemas.microsoft.com/office/powerpoint/2012/main"/>
     </p:ext>
     <p:ext uri="GoogleSlidesCustomDataVersion2">
-      <go:slidesCustomData xmlns:go="http://customooxmlschemas.google.com/" xmlns:ahyp="http://schemas.microsoft.com/office/drawing/2018/hyperlinkcolor" xmlns:p15="http://schemas.microsoft.com/office/powerpoint/2012/main" xmlns:p14="http://schemas.microsoft.com/office/powerpoint/2010/main" xmlns:com="http://schemas.openxmlformats.org/drawingml/2006/compatibility" xmlns:pvml="urn:schemas-microsoft-com:office:powerpoint" xmlns:v="urn:schemas-microsoft-com:vml" xmlns:o="urn:schemas-microsoft-com:office:office" xmlns:dgm="http://schemas.openxmlformats.org/drawingml/2006/diagram" xmlns:c="http://schemas.openxmlformats.org/drawingml/2006/chart" xmlns:mv="urn:schemas-microsoft-com:mac:vml" xmlns:mc="http://schemas.openxmlformats.org/markup-compatibility/2006" xmlns="" r:id="rId25" roundtripDataSignature="AMtx7mj5GdbxsaFl02bTEFBl/9s84/Z/Bw=="/>
+      <go:slidesCustomData xmlns="" xmlns:mc="http://schemas.openxmlformats.org/markup-compatibility/2006" xmlns:mv="urn:schemas-microsoft-com:mac:vml" xmlns:c="http://schemas.openxmlformats.org/drawingml/2006/chart" xmlns:dgm="http://schemas.openxmlformats.org/drawingml/2006/diagram" xmlns:o="urn:schemas-microsoft-com:office:office" xmlns:v="urn:schemas-microsoft-com:vml" xmlns:pvml="urn:schemas-microsoft-com:office:powerpoint" xmlns:com="http://schemas.openxmlformats.org/drawingml/2006/compatibility" xmlns:p14="http://schemas.microsoft.com/office/powerpoint/2010/main" xmlns:p15="http://schemas.microsoft.com/office/powerpoint/2012/main" xmlns:ahyp="http://schemas.microsoft.com/office/drawing/2018/hyperlinkcolor" xmlns:go="http://customooxmlschemas.google.com/" r:id="rId25" roundtripDataSignature="AMtx7mj5GdbxsaFl02bTEFBl/9s84/Z/Bw=="/>
     </p:ext>
   </p:extLst>
 </p:presentation>
@@ -12491,6 +12491,52 @@
             </a:pPr>
             <a:r>
               <a:rPr lang="ko-KR" altLang="en-US" dirty="0"/>
+              <a:t>팀 그라운드 룰</a:t>
+            </a:r>
+            <a:endParaRPr lang="en-US" altLang="ko-KR" dirty="0"/>
+          </a:p>
+          <a:p>
+            <a:pPr marL="692150" lvl="0" indent="-514350" algn="l" rtl="0">
+              <a:lnSpc>
+                <a:spcPct val="90000"/>
+              </a:lnSpc>
+              <a:spcBef>
+                <a:spcPts val="0"/>
+              </a:spcBef>
+              <a:spcAft>
+                <a:spcPts val="0"/>
+              </a:spcAft>
+              <a:buClr>
+                <a:schemeClr val="dk1"/>
+              </a:buClr>
+              <a:buSzPts val="2800"/>
+              <a:buAutoNum type="arabicPeriod"/>
+            </a:pPr>
+            <a:r>
+              <a:rPr lang="ko-KR" altLang="en-US" dirty="0"/>
+              <a:t>요구사항</a:t>
+            </a:r>
+            <a:endParaRPr lang="en-US" altLang="ko-KR" dirty="0"/>
+          </a:p>
+          <a:p>
+            <a:pPr marL="692150" lvl="0" indent="-514350" algn="l" rtl="0">
+              <a:lnSpc>
+                <a:spcPct val="90000"/>
+              </a:lnSpc>
+              <a:spcBef>
+                <a:spcPts val="0"/>
+              </a:spcBef>
+              <a:spcAft>
+                <a:spcPts val="0"/>
+              </a:spcAft>
+              <a:buClr>
+                <a:schemeClr val="dk1"/>
+              </a:buClr>
+              <a:buSzPts val="2800"/>
+              <a:buAutoNum type="arabicPeriod"/>
+            </a:pPr>
+            <a:r>
+              <a:rPr lang="ko-KR" altLang="en-US" dirty="0"/>
               <a:t>기능 구현 소개</a:t>
             </a:r>
             <a:endParaRPr lang="en-US" altLang="ko-KR" dirty="0"/>
